--- a/CalendarioAgo23/Presentaciones/4_ProtocolosOSI_R.pptx
+++ b/CalendarioAgo23/Presentaciones/4_ProtocolosOSI_R.pptx
@@ -232,7 +232,7 @@
           <a:p>
             <a:fld id="{2D445F07-8756-451B-A938-0248325FC7BB}" type="datetimeFigureOut">
               <a:rPr lang="es-MX" smtClean="0"/>
-              <a:t>15/05/2023</a:t>
+              <a:t>30/10/2023</a:t>
             </a:fld>
             <a:endParaRPr lang="es-MX" dirty="0"/>
           </a:p>
@@ -2399,7 +2399,7 @@
           <a:p>
             <a:fld id="{5E75A0DC-66C6-4CEC-A5EB-F8C97CEC3796}" type="datetimeFigureOut">
               <a:rPr lang="es-MX" smtClean="0"/>
-              <a:t>15/05/2023</a:t>
+              <a:t>30/10/2023</a:t>
             </a:fld>
             <a:endParaRPr lang="es-MX" dirty="0"/>
           </a:p>
@@ -2569,7 +2569,7 @@
           <a:p>
             <a:fld id="{5E75A0DC-66C6-4CEC-A5EB-F8C97CEC3796}" type="datetimeFigureOut">
               <a:rPr lang="es-MX" smtClean="0"/>
-              <a:t>15/05/2023</a:t>
+              <a:t>30/10/2023</a:t>
             </a:fld>
             <a:endParaRPr lang="es-MX" dirty="0"/>
           </a:p>
@@ -2749,7 +2749,7 @@
           <a:p>
             <a:fld id="{5E75A0DC-66C6-4CEC-A5EB-F8C97CEC3796}" type="datetimeFigureOut">
               <a:rPr lang="es-MX" smtClean="0"/>
-              <a:t>15/05/2023</a:t>
+              <a:t>30/10/2023</a:t>
             </a:fld>
             <a:endParaRPr lang="es-MX" dirty="0"/>
           </a:p>
@@ -2919,7 +2919,7 @@
           <a:p>
             <a:fld id="{5E75A0DC-66C6-4CEC-A5EB-F8C97CEC3796}" type="datetimeFigureOut">
               <a:rPr lang="es-MX" smtClean="0"/>
-              <a:t>15/05/2023</a:t>
+              <a:t>30/10/2023</a:t>
             </a:fld>
             <a:endParaRPr lang="es-MX" dirty="0"/>
           </a:p>
@@ -3165,7 +3165,7 @@
           <a:p>
             <a:fld id="{5E75A0DC-66C6-4CEC-A5EB-F8C97CEC3796}" type="datetimeFigureOut">
               <a:rPr lang="es-MX" smtClean="0"/>
-              <a:t>15/05/2023</a:t>
+              <a:t>30/10/2023</a:t>
             </a:fld>
             <a:endParaRPr lang="es-MX" dirty="0"/>
           </a:p>
@@ -3453,7 +3453,7 @@
           <a:p>
             <a:fld id="{5E75A0DC-66C6-4CEC-A5EB-F8C97CEC3796}" type="datetimeFigureOut">
               <a:rPr lang="es-MX" smtClean="0"/>
-              <a:t>15/05/2023</a:t>
+              <a:t>30/10/2023</a:t>
             </a:fld>
             <a:endParaRPr lang="es-MX" dirty="0"/>
           </a:p>
@@ -3875,7 +3875,7 @@
           <a:p>
             <a:fld id="{5E75A0DC-66C6-4CEC-A5EB-F8C97CEC3796}" type="datetimeFigureOut">
               <a:rPr lang="es-MX" smtClean="0"/>
-              <a:t>15/05/2023</a:t>
+              <a:t>30/10/2023</a:t>
             </a:fld>
             <a:endParaRPr lang="es-MX" dirty="0"/>
           </a:p>
@@ -3993,7 +3993,7 @@
           <a:p>
             <a:fld id="{5E75A0DC-66C6-4CEC-A5EB-F8C97CEC3796}" type="datetimeFigureOut">
               <a:rPr lang="es-MX" smtClean="0"/>
-              <a:t>15/05/2023</a:t>
+              <a:t>30/10/2023</a:t>
             </a:fld>
             <a:endParaRPr lang="es-MX" dirty="0"/>
           </a:p>
@@ -4088,7 +4088,7 @@
           <a:p>
             <a:fld id="{5E75A0DC-66C6-4CEC-A5EB-F8C97CEC3796}" type="datetimeFigureOut">
               <a:rPr lang="es-MX" smtClean="0"/>
-              <a:t>15/05/2023</a:t>
+              <a:t>30/10/2023</a:t>
             </a:fld>
             <a:endParaRPr lang="es-MX" dirty="0"/>
           </a:p>
@@ -4365,7 +4365,7 @@
           <a:p>
             <a:fld id="{5E75A0DC-66C6-4CEC-A5EB-F8C97CEC3796}" type="datetimeFigureOut">
               <a:rPr lang="es-MX" smtClean="0"/>
-              <a:t>15/05/2023</a:t>
+              <a:t>30/10/2023</a:t>
             </a:fld>
             <a:endParaRPr lang="es-MX" dirty="0"/>
           </a:p>
@@ -4618,7 +4618,7 @@
           <a:p>
             <a:fld id="{5E75A0DC-66C6-4CEC-A5EB-F8C97CEC3796}" type="datetimeFigureOut">
               <a:rPr lang="es-MX" smtClean="0"/>
-              <a:t>15/05/2023</a:t>
+              <a:t>30/10/2023</a:t>
             </a:fld>
             <a:endParaRPr lang="es-MX" dirty="0"/>
           </a:p>
@@ -4831,7 +4831,7 @@
           <a:p>
             <a:fld id="{5E75A0DC-66C6-4CEC-A5EB-F8C97CEC3796}" type="datetimeFigureOut">
               <a:rPr lang="es-MX" smtClean="0"/>
-              <a:t>15/05/2023</a:t>
+              <a:t>30/10/2023</a:t>
             </a:fld>
             <a:endParaRPr lang="es-MX" dirty="0"/>
           </a:p>
@@ -33037,7 +33037,7 @@
             <a:r>
               <a:rPr sz="2100" b="1" spc="-11" dirty="0">
                 <a:solidFill>
-                  <a:srgbClr val="502CD1"/>
+                  <a:srgbClr val="0070C0"/>
                 </a:solidFill>
                 <a:latin typeface="Calibri"/>
                 <a:cs typeface="Calibri"/>
@@ -33047,7 +33047,7 @@
             <a:r>
               <a:rPr sz="2100" b="1" spc="11" dirty="0">
                 <a:solidFill>
-                  <a:srgbClr val="502CD1"/>
+                  <a:srgbClr val="0070C0"/>
                 </a:solidFill>
                 <a:latin typeface="Calibri"/>
                 <a:cs typeface="Calibri"/>
@@ -33057,7 +33057,7 @@
             <a:r>
               <a:rPr sz="2100" b="1" spc="-11" dirty="0">
                 <a:solidFill>
-                  <a:srgbClr val="502CD1"/>
+                  <a:srgbClr val="0070C0"/>
                 </a:solidFill>
                 <a:latin typeface="Calibri"/>
                 <a:cs typeface="Calibri"/>
@@ -33067,7 +33067,7 @@
             <a:r>
               <a:rPr sz="2100" b="1" spc="8" dirty="0">
                 <a:solidFill>
-                  <a:srgbClr val="502CD1"/>
+                  <a:srgbClr val="0070C0"/>
                 </a:solidFill>
                 <a:latin typeface="Calibri"/>
                 <a:cs typeface="Calibri"/>
@@ -33077,7 +33077,7 @@
             <a:r>
               <a:rPr sz="2100" b="1" spc="-15" dirty="0">
                 <a:solidFill>
-                  <a:srgbClr val="502CD1"/>
+                  <a:srgbClr val="0070C0"/>
                 </a:solidFill>
                 <a:latin typeface="Calibri"/>
                 <a:cs typeface="Calibri"/>
@@ -33087,7 +33087,7 @@
             <a:r>
               <a:rPr sz="2100" b="1" spc="-34" dirty="0">
                 <a:solidFill>
-                  <a:srgbClr val="502CD1"/>
+                  <a:srgbClr val="0070C0"/>
                 </a:solidFill>
                 <a:latin typeface="Calibri"/>
                 <a:cs typeface="Calibri"/>
@@ -33097,7 +33097,7 @@
             <a:r>
               <a:rPr sz="2100" b="1" spc="-15" dirty="0">
                 <a:solidFill>
-                  <a:srgbClr val="502CD1"/>
+                  <a:srgbClr val="0070C0"/>
                 </a:solidFill>
                 <a:latin typeface="Calibri"/>
                 <a:cs typeface="Calibri"/>
@@ -33107,7 +33107,7 @@
             <a:r>
               <a:rPr sz="2100" b="1" spc="-8" dirty="0">
                 <a:solidFill>
-                  <a:srgbClr val="502CD1"/>
+                  <a:srgbClr val="0070C0"/>
                 </a:solidFill>
                 <a:latin typeface="Calibri"/>
                 <a:cs typeface="Calibri"/>
@@ -33117,7 +33117,7 @@
             <a:r>
               <a:rPr sz="2100" b="1" spc="-11" dirty="0">
                 <a:solidFill>
-                  <a:srgbClr val="502CD1"/>
+                  <a:srgbClr val="0070C0"/>
                 </a:solidFill>
                 <a:latin typeface="Calibri"/>
                 <a:cs typeface="Calibri"/>
@@ -33127,7 +33127,7 @@
             <a:r>
               <a:rPr sz="2100" b="1" spc="-19" dirty="0">
                 <a:solidFill>
-                  <a:srgbClr val="502CD1"/>
+                  <a:srgbClr val="0070C0"/>
                 </a:solidFill>
                 <a:latin typeface="Calibri"/>
                 <a:cs typeface="Calibri"/>
@@ -33137,7 +33137,7 @@
             <a:r>
               <a:rPr sz="2100" b="1" spc="-15" dirty="0">
                 <a:solidFill>
-                  <a:srgbClr val="502CD1"/>
+                  <a:srgbClr val="0070C0"/>
                 </a:solidFill>
                 <a:latin typeface="Calibri"/>
                 <a:cs typeface="Calibri"/>
@@ -33147,7 +33147,7 @@
             <a:r>
               <a:rPr sz="2100" b="1" spc="-11" dirty="0">
                 <a:solidFill>
-                  <a:srgbClr val="502CD1"/>
+                  <a:srgbClr val="0070C0"/>
                 </a:solidFill>
                 <a:latin typeface="Calibri"/>
                 <a:cs typeface="Calibri"/>
@@ -33157,7 +33157,7 @@
             <a:r>
               <a:rPr sz="2100" b="1" spc="15" dirty="0">
                 <a:solidFill>
-                  <a:srgbClr val="502CD1"/>
+                  <a:srgbClr val="0070C0"/>
                 </a:solidFill>
                 <a:latin typeface="Calibri"/>
                 <a:cs typeface="Calibri"/>
@@ -33167,7 +33167,7 @@
             <a:r>
               <a:rPr sz="2100" b="1" spc="-11" dirty="0">
                 <a:solidFill>
-                  <a:srgbClr val="502CD1"/>
+                  <a:srgbClr val="0070C0"/>
                 </a:solidFill>
                 <a:latin typeface="Calibri"/>
                 <a:cs typeface="Calibri"/>
@@ -33177,7 +33177,7 @@
             <a:r>
               <a:rPr sz="2100" b="1" spc="-23" dirty="0">
                 <a:solidFill>
-                  <a:srgbClr val="502CD1"/>
+                  <a:srgbClr val="0070C0"/>
                 </a:solidFill>
                 <a:latin typeface="Calibri"/>
                 <a:cs typeface="Calibri"/>
@@ -33187,7 +33187,7 @@
             <a:r>
               <a:rPr sz="2100" b="1" spc="-8" dirty="0">
                 <a:solidFill>
-                  <a:srgbClr val="502CD1"/>
+                  <a:srgbClr val="0070C0"/>
                 </a:solidFill>
                 <a:latin typeface="Calibri"/>
                 <a:cs typeface="Calibri"/>
@@ -33197,7 +33197,7 @@
             <a:r>
               <a:rPr sz="2100" b="1" spc="-19" dirty="0">
                 <a:solidFill>
-                  <a:srgbClr val="502CD1"/>
+                  <a:srgbClr val="0070C0"/>
                 </a:solidFill>
                 <a:latin typeface="Calibri"/>
                 <a:cs typeface="Calibri"/>
@@ -33207,7 +33207,7 @@
             <a:r>
               <a:rPr sz="2100" b="1" spc="-11" dirty="0">
                 <a:solidFill>
-                  <a:srgbClr val="502CD1"/>
+                  <a:srgbClr val="0070C0"/>
                 </a:solidFill>
                 <a:latin typeface="Calibri"/>
                 <a:cs typeface="Calibri"/>
@@ -33217,7 +33217,7 @@
             <a:r>
               <a:rPr sz="2100" b="1" spc="4" dirty="0">
                 <a:solidFill>
-                  <a:srgbClr val="502CD1"/>
+                  <a:srgbClr val="0070C0"/>
                 </a:solidFill>
                 <a:latin typeface="Calibri"/>
                 <a:cs typeface="Calibri"/>
@@ -33227,7 +33227,7 @@
             <a:r>
               <a:rPr sz="2100" b="1" spc="-11" dirty="0">
                 <a:solidFill>
-                  <a:srgbClr val="502CD1"/>
+                  <a:srgbClr val="0070C0"/>
                 </a:solidFill>
                 <a:latin typeface="Calibri"/>
                 <a:cs typeface="Calibri"/>
@@ -33237,7 +33237,7 @@
             <a:r>
               <a:rPr sz="2100" b="1" spc="11" dirty="0">
                 <a:solidFill>
-                  <a:srgbClr val="502CD1"/>
+                  <a:srgbClr val="0070C0"/>
                 </a:solidFill>
                 <a:latin typeface="Calibri"/>
                 <a:cs typeface="Calibri"/>
@@ -33247,7 +33247,7 @@
             <a:r>
               <a:rPr sz="2100" b="1" spc="-11" dirty="0">
                 <a:solidFill>
-                  <a:srgbClr val="502CD1"/>
+                  <a:srgbClr val="0070C0"/>
                 </a:solidFill>
                 <a:latin typeface="Calibri"/>
                 <a:cs typeface="Calibri"/>
@@ -33257,7 +33257,7 @@
             <a:r>
               <a:rPr sz="2100" b="1" spc="-38" dirty="0">
                 <a:solidFill>
-                  <a:srgbClr val="502CD1"/>
+                  <a:srgbClr val="0070C0"/>
                 </a:solidFill>
                 <a:latin typeface="Calibri"/>
                 <a:cs typeface="Calibri"/>
@@ -33267,7 +33267,7 @@
             <a:r>
               <a:rPr sz="2100" b="1" spc="-15" dirty="0">
                 <a:solidFill>
-                  <a:srgbClr val="502CD1"/>
+                  <a:srgbClr val="0070C0"/>
                 </a:solidFill>
                 <a:latin typeface="Calibri"/>
                 <a:cs typeface="Calibri"/>
@@ -33277,7 +33277,7 @@
             <a:r>
               <a:rPr sz="2100" b="1" spc="-8" dirty="0">
                 <a:solidFill>
-                  <a:srgbClr val="502CD1"/>
+                  <a:srgbClr val="0070C0"/>
                 </a:solidFill>
                 <a:latin typeface="Calibri"/>
                 <a:cs typeface="Calibri"/>
@@ -33287,7 +33287,7 @@
             <a:r>
               <a:rPr sz="2100" b="1" spc="19" dirty="0">
                 <a:solidFill>
-                  <a:srgbClr val="502CD1"/>
+                  <a:srgbClr val="0070C0"/>
                 </a:solidFill>
                 <a:latin typeface="Calibri"/>
                 <a:cs typeface="Calibri"/>
@@ -33490,7 +33490,7 @@
             <a:r>
               <a:rPr sz="2100" b="1" spc="-11" dirty="0">
                 <a:solidFill>
-                  <a:srgbClr val="E22C91"/>
+                  <a:srgbClr val="00B0F0"/>
                 </a:solidFill>
                 <a:latin typeface="Calibri"/>
                 <a:cs typeface="Calibri"/>
@@ -33500,7 +33500,7 @@
             <a:r>
               <a:rPr sz="2100" b="1" spc="11" dirty="0">
                 <a:solidFill>
-                  <a:srgbClr val="E22C91"/>
+                  <a:srgbClr val="00B0F0"/>
                 </a:solidFill>
                 <a:latin typeface="Calibri"/>
                 <a:cs typeface="Calibri"/>
@@ -33510,7 +33510,7 @@
             <a:r>
               <a:rPr sz="2100" b="1" spc="-11" dirty="0">
                 <a:solidFill>
-                  <a:srgbClr val="E22C91"/>
+                  <a:srgbClr val="00B0F0"/>
                 </a:solidFill>
                 <a:latin typeface="Calibri"/>
                 <a:cs typeface="Calibri"/>
@@ -33520,7 +33520,7 @@
             <a:r>
               <a:rPr sz="2100" b="1" spc="8" dirty="0">
                 <a:solidFill>
-                  <a:srgbClr val="E22C91"/>
+                  <a:srgbClr val="00B0F0"/>
                 </a:solidFill>
                 <a:latin typeface="Calibri"/>
                 <a:cs typeface="Calibri"/>
@@ -33530,7 +33530,7 @@
             <a:r>
               <a:rPr sz="2100" b="1" spc="-15" dirty="0">
                 <a:solidFill>
-                  <a:srgbClr val="E22C91"/>
+                  <a:srgbClr val="00B0F0"/>
                 </a:solidFill>
                 <a:latin typeface="Calibri"/>
                 <a:cs typeface="Calibri"/>
@@ -33540,7 +33540,7 @@
             <a:r>
               <a:rPr sz="2100" b="1" spc="-34" dirty="0">
                 <a:solidFill>
-                  <a:srgbClr val="E22C91"/>
+                  <a:srgbClr val="00B0F0"/>
                 </a:solidFill>
                 <a:latin typeface="Calibri"/>
                 <a:cs typeface="Calibri"/>
@@ -33550,7 +33550,7 @@
             <a:r>
               <a:rPr sz="2100" b="1" spc="-15" dirty="0">
                 <a:solidFill>
-                  <a:srgbClr val="E22C91"/>
+                  <a:srgbClr val="00B0F0"/>
                 </a:solidFill>
                 <a:latin typeface="Calibri"/>
                 <a:cs typeface="Calibri"/>
@@ -33560,7 +33560,7 @@
             <a:r>
               <a:rPr sz="2100" b="1" spc="-8" dirty="0">
                 <a:solidFill>
-                  <a:srgbClr val="E22C91"/>
+                  <a:srgbClr val="00B0F0"/>
                 </a:solidFill>
                 <a:latin typeface="Calibri"/>
                 <a:cs typeface="Calibri"/>
@@ -33570,7 +33570,7 @@
             <a:r>
               <a:rPr sz="2100" b="1" spc="-11" dirty="0">
                 <a:solidFill>
-                  <a:srgbClr val="E22C91"/>
+                  <a:srgbClr val="00B0F0"/>
                 </a:solidFill>
                 <a:latin typeface="Calibri"/>
                 <a:cs typeface="Calibri"/>
@@ -33580,7 +33580,7 @@
             <a:r>
               <a:rPr sz="2100" b="1" spc="-19" dirty="0">
                 <a:solidFill>
-                  <a:srgbClr val="E22C91"/>
+                  <a:srgbClr val="00B0F0"/>
                 </a:solidFill>
                 <a:latin typeface="Calibri"/>
                 <a:cs typeface="Calibri"/>
@@ -33590,7 +33590,7 @@
             <a:r>
               <a:rPr sz="2100" b="1" spc="-15" dirty="0">
                 <a:solidFill>
-                  <a:srgbClr val="E22C91"/>
+                  <a:srgbClr val="00B0F0"/>
                 </a:solidFill>
                 <a:latin typeface="Calibri"/>
                 <a:cs typeface="Calibri"/>
@@ -33600,7 +33600,7 @@
             <a:r>
               <a:rPr sz="2100" b="1" spc="-11" dirty="0">
                 <a:solidFill>
-                  <a:srgbClr val="E22C91"/>
+                  <a:srgbClr val="00B0F0"/>
                 </a:solidFill>
                 <a:latin typeface="Calibri"/>
                 <a:cs typeface="Calibri"/>
@@ -33610,7 +33610,7 @@
             <a:r>
               <a:rPr sz="2100" b="1" spc="15" dirty="0">
                 <a:solidFill>
-                  <a:srgbClr val="E22C91"/>
+                  <a:srgbClr val="00B0F0"/>
                 </a:solidFill>
                 <a:latin typeface="Calibri"/>
                 <a:cs typeface="Calibri"/>
@@ -33620,7 +33620,7 @@
             <a:r>
               <a:rPr sz="2100" b="1" spc="-11" dirty="0">
                 <a:solidFill>
-                  <a:srgbClr val="E22C91"/>
+                  <a:srgbClr val="00B0F0"/>
                 </a:solidFill>
                 <a:latin typeface="Calibri"/>
                 <a:cs typeface="Calibri"/>
@@ -33630,7 +33630,7 @@
             <a:r>
               <a:rPr sz="2100" b="1" spc="-4" dirty="0">
                 <a:solidFill>
-                  <a:srgbClr val="E22C91"/>
+                  <a:srgbClr val="00B0F0"/>
                 </a:solidFill>
                 <a:latin typeface="Calibri"/>
                 <a:cs typeface="Calibri"/>
@@ -33640,7 +33640,7 @@
             <a:r>
               <a:rPr sz="2100" b="1" spc="-8" dirty="0">
                 <a:solidFill>
-                  <a:srgbClr val="E22C91"/>
+                  <a:srgbClr val="00B0F0"/>
                 </a:solidFill>
                 <a:latin typeface="Calibri"/>
                 <a:cs typeface="Calibri"/>
@@ -33650,7 +33650,7 @@
             <a:r>
               <a:rPr sz="2100" b="1" spc="-11" dirty="0">
                 <a:solidFill>
-                  <a:srgbClr val="E22C91"/>
+                  <a:srgbClr val="00B0F0"/>
                 </a:solidFill>
                 <a:latin typeface="Calibri"/>
                 <a:cs typeface="Calibri"/>
@@ -33660,7 +33660,7 @@
             <a:r>
               <a:rPr sz="2100" b="1" spc="-45" dirty="0">
                 <a:solidFill>
-                  <a:srgbClr val="E22C91"/>
+                  <a:srgbClr val="00B0F0"/>
                 </a:solidFill>
                 <a:latin typeface="Calibri"/>
                 <a:cs typeface="Calibri"/>
@@ -33670,7 +33670,7 @@
             <a:r>
               <a:rPr sz="2100" b="1" spc="-11" dirty="0">
                 <a:solidFill>
-                  <a:srgbClr val="E22C91"/>
+                  <a:srgbClr val="00B0F0"/>
                 </a:solidFill>
                 <a:latin typeface="Calibri"/>
                 <a:cs typeface="Calibri"/>
@@ -33680,7 +33680,7 @@
             <a:r>
               <a:rPr sz="2100" b="1" spc="26" dirty="0">
                 <a:solidFill>
-                  <a:srgbClr val="E22C91"/>
+                  <a:srgbClr val="00B0F0"/>
                 </a:solidFill>
                 <a:latin typeface="Calibri"/>
                 <a:cs typeface="Calibri"/>
@@ -33690,7 +33690,7 @@
             <a:r>
               <a:rPr sz="2100" b="1" spc="-11" dirty="0">
                 <a:solidFill>
-                  <a:srgbClr val="E22C91"/>
+                  <a:srgbClr val="00B0F0"/>
                 </a:solidFill>
                 <a:latin typeface="Calibri"/>
                 <a:cs typeface="Calibri"/>
@@ -33700,7 +33700,7 @@
             <a:r>
               <a:rPr sz="2100" b="1" spc="-38" dirty="0">
                 <a:solidFill>
-                  <a:srgbClr val="E22C91"/>
+                  <a:srgbClr val="00B0F0"/>
                 </a:solidFill>
                 <a:latin typeface="Calibri"/>
                 <a:cs typeface="Calibri"/>
@@ -33710,7 +33710,7 @@
             <a:r>
               <a:rPr sz="2100" b="1" spc="-15" dirty="0">
                 <a:solidFill>
-                  <a:srgbClr val="E22C91"/>
+                  <a:srgbClr val="00B0F0"/>
                 </a:solidFill>
                 <a:latin typeface="Calibri"/>
                 <a:cs typeface="Calibri"/>
@@ -33720,7 +33720,7 @@
             <a:r>
               <a:rPr sz="2100" b="1" spc="-8" dirty="0">
                 <a:solidFill>
-                  <a:srgbClr val="E22C91"/>
+                  <a:srgbClr val="00B0F0"/>
                 </a:solidFill>
                 <a:latin typeface="Calibri"/>
                 <a:cs typeface="Calibri"/>
@@ -33730,7 +33730,7 @@
             <a:r>
               <a:rPr sz="2100" b="1" spc="19" dirty="0">
                 <a:solidFill>
-                  <a:srgbClr val="E22C91"/>
+                  <a:srgbClr val="00B0F0"/>
                 </a:solidFill>
                 <a:latin typeface="Calibri"/>
                 <a:cs typeface="Calibri"/>
